--- a/Fault_Injection.pptx
+++ b/Fault_Injection.pptx
@@ -7887,12 +7887,8 @@
           <a:lstStyle/>
           <a:p>
             <a:r>
-              <a:rPr lang="en-US" b="1"/>
-              <a:t>This work </a:t>
-            </a:r>
-            <a:r>
               <a:rPr lang="en-US" b="1" dirty="0"/>
-              <a:t>can serve as a foundation for future research on:</a:t>
+              <a:t>This work can serve as a foundation for future research on:</a:t>
             </a:r>
           </a:p>
           <a:p>
@@ -9540,14 +9536,14 @@
             <p:ph idx="1"/>
             <p:extLst>
               <p:ext uri="{D42A27DB-BD31-4B8C-83A1-F6EECF244321}">
-                <p14:modId xmlns:p14="http://schemas.microsoft.com/office/powerpoint/2010/main" val="1824912777"/>
+                <p14:modId xmlns:p14="http://schemas.microsoft.com/office/powerpoint/2010/main" val="1100793298"/>
               </p:ext>
             </p:extLst>
           </p:nvPr>
         </p:nvGraphicFramePr>
         <p:xfrm>
-          <a:off x="542925" y="1120774"/>
-          <a:ext cx="11106150" cy="3696883"/>
+          <a:off x="542840" y="1093881"/>
+          <a:ext cx="11106150" cy="2232026"/>
         </p:xfrm>
         <a:graphic>
           <a:graphicData uri="http://schemas.openxmlformats.org/drawingml/2006/table">
@@ -9578,7 +9574,7 @@
                   </a:extLst>
                 </a:gridCol>
               </a:tblGrid>
-              <a:tr h="721674">
+              <a:tr h="600984">
                 <a:tc>
                   <a:txBody>
                     <a:bodyPr/>
@@ -9759,24 +9755,14 @@
                   </a:ext>
                 </a:extLst>
               </a:tr>
-              <a:tr h="2975209">
+              <a:tr h="1631042">
                 <a:tc>
                   <a:txBody>
                     <a:bodyPr/>
                     <a:lstStyle/>
                     <a:p>
-                      <a:pPr marL="457200" indent="-457200" algn="just">
-                        <a:buAutoNum type="arabicPeriod"/>
-                      </a:pPr>
-                      <a:endParaRPr lang="en-US" sz="2000" dirty="0">
-                        <a:solidFill>
-                          <a:schemeClr val="tx1"/>
-                        </a:solidFill>
-                      </a:endParaRPr>
-                    </a:p>
-                    <a:p>
-                      <a:pPr marL="457200" indent="-457200" algn="just">
-                        <a:buAutoNum type="arabicPeriod"/>
+                      <a:pPr marL="0" indent="0" algn="just">
+                        <a:buNone/>
                       </a:pPr>
                       <a:endParaRPr lang="en-US" sz="2000" dirty="0">
                         <a:solidFill>
@@ -9879,14 +9865,6 @@
                       </a:endParaRPr>
                     </a:p>
                     <a:p>
-                      <a:pPr algn="just"/>
-                      <a:endParaRPr lang="en-US" sz="2000" dirty="0">
-                        <a:solidFill>
-                          <a:schemeClr val="tx1"/>
-                        </a:solidFill>
-                      </a:endParaRPr>
-                    </a:p>
-                    <a:p>
                       <a:pPr marL="457200" indent="-457200" algn="just">
                         <a:buFont typeface="+mj-lt"/>
                         <a:buAutoNum type="arabicPeriod"/>
@@ -9976,18 +9954,8 @@
                     <a:bodyPr/>
                     <a:lstStyle/>
                     <a:p>
-                      <a:pPr marL="457200" indent="-457200" algn="just">
-                        <a:buAutoNum type="arabicPeriod"/>
-                      </a:pPr>
-                      <a:endParaRPr lang="en-US" sz="2000" dirty="0">
-                        <a:solidFill>
-                          <a:schemeClr val="tx1"/>
-                        </a:solidFill>
-                      </a:endParaRPr>
-                    </a:p>
-                    <a:p>
-                      <a:pPr marL="457200" indent="-457200" algn="just">
-                        <a:buAutoNum type="arabicPeriod"/>
+                      <a:pPr marL="0" indent="0" algn="just">
+                        <a:buNone/>
                       </a:pPr>
                       <a:endParaRPr lang="en-US" sz="2000" dirty="0">
                         <a:solidFill>
@@ -10155,6 +10123,61 @@
                 </a:solidFill>
               </a:rPr>
               <a:t>Classical Register is common is QC controller and Auxiliary Processors.</a:t>
+            </a:r>
+          </a:p>
+        </p:txBody>
+      </p:sp>
+      <p:sp>
+        <p:nvSpPr>
+          <p:cNvPr id="7" name="TextBox 6">
+            <a:extLst>
+              <a:ext uri="{FF2B5EF4-FFF2-40B4-BE49-F238E27FC236}">
+                <a16:creationId xmlns:a16="http://schemas.microsoft.com/office/drawing/2014/main" id="{C3EF7292-39F8-ED0E-11F2-64FDBD97496F}"/>
+              </a:ext>
+            </a:extLst>
+          </p:cNvPr>
+          <p:cNvSpPr txBox="1"/>
+          <p:nvPr/>
+        </p:nvSpPr>
+        <p:spPr>
+          <a:xfrm>
+            <a:off x="542840" y="3702424"/>
+            <a:ext cx="11106150" cy="923330"/>
+          </a:xfrm>
+          <a:prstGeom prst="rect">
+            <a:avLst/>
+          </a:prstGeom>
+          <a:noFill/>
+        </p:spPr>
+        <p:txBody>
+          <a:bodyPr wrap="square" rtlCol="0">
+            <a:spAutoFit/>
+          </a:bodyPr>
+          <a:lstStyle/>
+          <a:p>
+            <a:r>
+              <a:rPr lang="en-US" b="1" dirty="0"/>
+              <a:t>Classical Fault Injections:</a:t>
+            </a:r>
+          </a:p>
+          <a:p>
+            <a:pPr marL="285750" indent="-285750">
+              <a:buFontTx/>
+              <a:buChar char="-"/>
+            </a:pPr>
+            <a:r>
+              <a:rPr lang="en-US" dirty="0"/>
+              <a:t>Voltage glitching, clock glitching</a:t>
+            </a:r>
+          </a:p>
+          <a:p>
+            <a:pPr marL="285750" indent="-285750">
+              <a:buFontTx/>
+              <a:buChar char="-"/>
+            </a:pPr>
+            <a:r>
+              <a:rPr lang="en-US" dirty="0"/>
+              <a:t>EM (electromagnetic), lasers, or other sources of disturbance</a:t>
             </a:r>
           </a:p>
         </p:txBody>
